--- a/Data_Analysis.pptx
+++ b/Data_Analysis.pptx
@@ -5,7 +5,7 @@
     <p:sldMasterId id="2147483696" r:id="rId1"/>
   </p:sldMasterIdLst>
   <p:notesMasterIdLst>
-    <p:notesMasterId r:id="rId12"/>
+    <p:notesMasterId r:id="rId14"/>
   </p:notesMasterIdLst>
   <p:sldIdLst>
     <p:sldId id="256" r:id="rId2"/>
@@ -18,6 +18,8 @@
     <p:sldId id="263" r:id="rId9"/>
     <p:sldId id="264" r:id="rId10"/>
     <p:sldId id="265" r:id="rId11"/>
+    <p:sldId id="267" r:id="rId12"/>
+    <p:sldId id="266" r:id="rId13"/>
   </p:sldIdLst>
   <p:sldSz cx="12192000" cy="6858000"/>
   <p:notesSz cx="6858000" cy="9144000"/>
@@ -116,6 +118,11 @@
       </a:defRPr>
     </a:lvl9pPr>
   </p:defaultTextStyle>
+  <p:extLst>
+    <p:ext uri="{EFAFB233-063F-42B5-8137-9DF3F51BA10A}">
+      <p15:sldGuideLst xmlns:p15="http://schemas.microsoft.com/office/powerpoint/2012/main"/>
+    </p:ext>
+  </p:extLst>
 </p:presentation>
 </file>
 
@@ -3952,6 +3959,314 @@
     <p:extLst>
       <p:ext uri="{BB962C8B-B14F-4D97-AF65-F5344CB8AC3E}">
         <p14:creationId xmlns:p14="http://schemas.microsoft.com/office/powerpoint/2010/main" val="4278641743"/>
+      </p:ext>
+    </p:extLst>
+  </p:cSld>
+  <p:clrMapOvr>
+    <a:masterClrMapping/>
+  </p:clrMapOvr>
+</p:sld>
+</file>
+
+<file path=ppt/slides/slide11.xml><?xml version="1.0" encoding="utf-8"?>
+<p:sld xmlns:a="http://schemas.openxmlformats.org/drawingml/2006/main" xmlns:r="http://schemas.openxmlformats.org/officeDocument/2006/relationships" xmlns:p="http://schemas.openxmlformats.org/presentationml/2006/main">
+  <p:cSld>
+    <p:spTree>
+      <p:nvGrpSpPr>
+        <p:cNvPr id="1" name=""/>
+        <p:cNvGrpSpPr/>
+        <p:nvPr/>
+      </p:nvGrpSpPr>
+      <p:grpSpPr>
+        <a:xfrm>
+          <a:off x="0" y="0"/>
+          <a:ext cx="0" cy="0"/>
+          <a:chOff x="0" y="0"/>
+          <a:chExt cx="0" cy="0"/>
+        </a:xfrm>
+      </p:grpSpPr>
+      <p:sp>
+        <p:nvSpPr>
+          <p:cNvPr id="2" name="Titel 1">
+            <a:extLst>
+              <a:ext uri="{FF2B5EF4-FFF2-40B4-BE49-F238E27FC236}">
+                <a16:creationId xmlns:a16="http://schemas.microsoft.com/office/drawing/2014/main" id="{74686A12-F4CC-9F4A-8AB5-02979E440084}"/>
+              </a:ext>
+            </a:extLst>
+          </p:cNvPr>
+          <p:cNvSpPr>
+            <a:spLocks noGrp="1"/>
+          </p:cNvSpPr>
+          <p:nvPr>
+            <p:ph type="title"/>
+          </p:nvPr>
+        </p:nvSpPr>
+        <p:spPr/>
+        <p:txBody>
+          <a:bodyPr/>
+          <a:lstStyle/>
+          <a:p>
+            <a:r>
+              <a:rPr lang="nl-BE" dirty="0"/>
+              <a:t>Issues</a:t>
+            </a:r>
+          </a:p>
+        </p:txBody>
+      </p:sp>
+      <p:sp>
+        <p:nvSpPr>
+          <p:cNvPr id="3" name="Tijdelijke aanduiding voor inhoud 2">
+            <a:extLst>
+              <a:ext uri="{FF2B5EF4-FFF2-40B4-BE49-F238E27FC236}">
+                <a16:creationId xmlns:a16="http://schemas.microsoft.com/office/drawing/2014/main" id="{A4DAADC3-FFBD-C542-B3B3-06B1289A1477}"/>
+              </a:ext>
+            </a:extLst>
+          </p:cNvPr>
+          <p:cNvSpPr>
+            <a:spLocks noGrp="1"/>
+          </p:cNvSpPr>
+          <p:nvPr>
+            <p:ph idx="1"/>
+          </p:nvPr>
+        </p:nvSpPr>
+        <p:spPr/>
+        <p:txBody>
+          <a:bodyPr/>
+          <a:lstStyle/>
+          <a:p>
+            <a:pPr marL="0" indent="0">
+              <a:buNone/>
+            </a:pPr>
+            <a:endParaRPr lang="nl-BE" dirty="0"/>
+          </a:p>
+          <a:p>
+            <a:pPr marL="0" indent="0">
+              <a:buNone/>
+            </a:pPr>
+            <a:r>
+              <a:rPr lang="nl-BE" dirty="0"/>
+              <a:t>Initial database</a:t>
+            </a:r>
+          </a:p>
+          <a:p>
+            <a:pPr marL="0" indent="0">
+              <a:buNone/>
+            </a:pPr>
+            <a:endParaRPr lang="nl-BE" dirty="0"/>
+          </a:p>
+          <a:p>
+            <a:pPr marL="0" indent="0">
+              <a:buNone/>
+            </a:pPr>
+            <a:r>
+              <a:rPr lang="nl-BE" dirty="0"/>
+              <a:t>Stubbornnes (regex)</a:t>
+            </a:r>
+          </a:p>
+          <a:p>
+            <a:pPr marL="0" indent="0">
+              <a:buNone/>
+            </a:pPr>
+            <a:endParaRPr lang="nl-BE" dirty="0"/>
+          </a:p>
+          <a:p>
+            <a:pPr marL="0" indent="0">
+              <a:buNone/>
+            </a:pPr>
+            <a:r>
+              <a:rPr lang="nl-BE" dirty="0"/>
+              <a:t>Seaborn</a:t>
+            </a:r>
+          </a:p>
+        </p:txBody>
+      </p:sp>
+      <p:sp>
+        <p:nvSpPr>
+          <p:cNvPr id="4" name="Tijdelijke aanduiding voor voettekst 3">
+            <a:extLst>
+              <a:ext uri="{FF2B5EF4-FFF2-40B4-BE49-F238E27FC236}">
+                <a16:creationId xmlns:a16="http://schemas.microsoft.com/office/drawing/2014/main" id="{FB74203C-4FEA-9840-8FB0-D130D96DA97E}"/>
+              </a:ext>
+            </a:extLst>
+          </p:cNvPr>
+          <p:cNvSpPr>
+            <a:spLocks noGrp="1"/>
+          </p:cNvSpPr>
+          <p:nvPr>
+            <p:ph type="ftr" sz="quarter" idx="11"/>
+          </p:nvPr>
+        </p:nvSpPr>
+        <p:spPr/>
+        <p:txBody>
+          <a:bodyPr/>
+          <a:lstStyle/>
+          <a:p>
+            <a:r>
+              <a:rPr lang="en-US"/>
+              <a:t>Pauwel De Wilde - Bouman 3.31</a:t>
+            </a:r>
+            <a:endParaRPr lang="en-US" dirty="0"/>
+          </a:p>
+        </p:txBody>
+      </p:sp>
+    </p:spTree>
+    <p:extLst>
+      <p:ext uri="{BB962C8B-B14F-4D97-AF65-F5344CB8AC3E}">
+        <p14:creationId xmlns:p14="http://schemas.microsoft.com/office/powerpoint/2010/main" val="1905226580"/>
+      </p:ext>
+    </p:extLst>
+  </p:cSld>
+  <p:clrMapOvr>
+    <a:masterClrMapping/>
+  </p:clrMapOvr>
+</p:sld>
+</file>
+
+<file path=ppt/slides/slide12.xml><?xml version="1.0" encoding="utf-8"?>
+<p:sld xmlns:a="http://schemas.openxmlformats.org/drawingml/2006/main" xmlns:r="http://schemas.openxmlformats.org/officeDocument/2006/relationships" xmlns:p="http://schemas.openxmlformats.org/presentationml/2006/main">
+  <p:cSld>
+    <p:spTree>
+      <p:nvGrpSpPr>
+        <p:cNvPr id="1" name=""/>
+        <p:cNvGrpSpPr/>
+        <p:nvPr/>
+      </p:nvGrpSpPr>
+      <p:grpSpPr>
+        <a:xfrm>
+          <a:off x="0" y="0"/>
+          <a:ext cx="0" cy="0"/>
+          <a:chOff x="0" y="0"/>
+          <a:chExt cx="0" cy="0"/>
+        </a:xfrm>
+      </p:grpSpPr>
+      <p:sp>
+        <p:nvSpPr>
+          <p:cNvPr id="2" name="Titel 1">
+            <a:extLst>
+              <a:ext uri="{FF2B5EF4-FFF2-40B4-BE49-F238E27FC236}">
+                <a16:creationId xmlns:a16="http://schemas.microsoft.com/office/drawing/2014/main" id="{EC278386-639F-2A46-B3E3-A7F402319ED3}"/>
+              </a:ext>
+            </a:extLst>
+          </p:cNvPr>
+          <p:cNvSpPr>
+            <a:spLocks noGrp="1"/>
+          </p:cNvSpPr>
+          <p:nvPr>
+            <p:ph type="title"/>
+          </p:nvPr>
+        </p:nvSpPr>
+        <p:spPr/>
+        <p:txBody>
+          <a:bodyPr/>
+          <a:lstStyle/>
+          <a:p>
+            <a:r>
+              <a:rPr lang="nl-BE" dirty="0"/>
+              <a:t>Next steps</a:t>
+            </a:r>
+          </a:p>
+        </p:txBody>
+      </p:sp>
+      <p:sp>
+        <p:nvSpPr>
+          <p:cNvPr id="3" name="Tijdelijke aanduiding voor inhoud 2">
+            <a:extLst>
+              <a:ext uri="{FF2B5EF4-FFF2-40B4-BE49-F238E27FC236}">
+                <a16:creationId xmlns:a16="http://schemas.microsoft.com/office/drawing/2014/main" id="{E9F442B3-86B4-914A-9C37-D6E3A20717F0}"/>
+              </a:ext>
+            </a:extLst>
+          </p:cNvPr>
+          <p:cNvSpPr>
+            <a:spLocks noGrp="1"/>
+          </p:cNvSpPr>
+          <p:nvPr>
+            <p:ph idx="1"/>
+          </p:nvPr>
+        </p:nvSpPr>
+        <p:spPr/>
+        <p:txBody>
+          <a:bodyPr/>
+          <a:lstStyle/>
+          <a:p>
+            <a:pPr marL="0" indent="0">
+              <a:buNone/>
+            </a:pPr>
+            <a:endParaRPr lang="nl-BE" dirty="0"/>
+          </a:p>
+          <a:p>
+            <a:pPr marL="0" indent="0">
+              <a:buNone/>
+            </a:pPr>
+            <a:r>
+              <a:rPr lang="nl-BE" dirty="0"/>
+              <a:t>Plotting .head(10) and .tail(10)</a:t>
+            </a:r>
+          </a:p>
+          <a:p>
+            <a:pPr marL="0" indent="0">
+              <a:buNone/>
+            </a:pPr>
+            <a:endParaRPr lang="nl-BE" dirty="0"/>
+          </a:p>
+          <a:p>
+            <a:pPr marL="0" indent="0">
+              <a:buNone/>
+            </a:pPr>
+            <a:r>
+              <a:rPr lang="nl-BE" dirty="0"/>
+              <a:t>Work on figure manipulations</a:t>
+            </a:r>
+          </a:p>
+          <a:p>
+            <a:pPr marL="0" indent="0">
+              <a:buNone/>
+            </a:pPr>
+            <a:endParaRPr lang="nl-BE" dirty="0"/>
+          </a:p>
+          <a:p>
+            <a:pPr marL="0" indent="0">
+              <a:buNone/>
+            </a:pPr>
+            <a:r>
+              <a:rPr lang="nl-BE" dirty="0"/>
+              <a:t>Work with Seaborn</a:t>
+            </a:r>
+          </a:p>
+        </p:txBody>
+      </p:sp>
+      <p:sp>
+        <p:nvSpPr>
+          <p:cNvPr id="4" name="Tijdelijke aanduiding voor voettekst 3">
+            <a:extLst>
+              <a:ext uri="{FF2B5EF4-FFF2-40B4-BE49-F238E27FC236}">
+                <a16:creationId xmlns:a16="http://schemas.microsoft.com/office/drawing/2014/main" id="{7EE413F2-FFD7-5D45-9888-88C4E3E1FF64}"/>
+              </a:ext>
+            </a:extLst>
+          </p:cNvPr>
+          <p:cNvSpPr>
+            <a:spLocks noGrp="1"/>
+          </p:cNvSpPr>
+          <p:nvPr>
+            <p:ph type="ftr" sz="quarter" idx="11"/>
+          </p:nvPr>
+        </p:nvSpPr>
+        <p:spPr/>
+        <p:txBody>
+          <a:bodyPr/>
+          <a:lstStyle/>
+          <a:p>
+            <a:r>
+              <a:rPr lang="en-US"/>
+              <a:t>Pauwel De Wilde - Bouman 3.31</a:t>
+            </a:r>
+            <a:endParaRPr lang="en-US" dirty="0"/>
+          </a:p>
+        </p:txBody>
+      </p:sp>
+    </p:spTree>
+    <p:extLst>
+      <p:ext uri="{BB962C8B-B14F-4D97-AF65-F5344CB8AC3E}">
+        <p14:creationId xmlns:p14="http://schemas.microsoft.com/office/powerpoint/2010/main" val="3593337349"/>
       </p:ext>
     </p:extLst>
   </p:cSld>

--- a/Data_Analysis.pptx
+++ b/Data_Analysis.pptx
@@ -5,7 +5,7 @@
     <p:sldMasterId id="2147483696" r:id="rId1"/>
   </p:sldMasterIdLst>
   <p:notesMasterIdLst>
-    <p:notesMasterId r:id="rId14"/>
+    <p:notesMasterId r:id="rId15"/>
   </p:notesMasterIdLst>
   <p:sldIdLst>
     <p:sldId id="256" r:id="rId2"/>
@@ -18,8 +18,9 @@
     <p:sldId id="263" r:id="rId9"/>
     <p:sldId id="264" r:id="rId10"/>
     <p:sldId id="265" r:id="rId11"/>
-    <p:sldId id="267" r:id="rId12"/>
-    <p:sldId id="266" r:id="rId13"/>
+    <p:sldId id="266" r:id="rId12"/>
+    <p:sldId id="268" r:id="rId13"/>
+    <p:sldId id="267" r:id="rId14"/>
   </p:sldIdLst>
   <p:sldSz cx="12192000" cy="6858000"/>
   <p:notesSz cx="6858000" cy="9144000"/>
@@ -3777,7 +3778,7 @@
           <a:p>
             <a:r>
               <a:rPr lang="nl-BE" dirty="0"/>
-              <a:t>Data-Analisis</a:t>
+              <a:t>Property prices in Belgium</a:t>
             </a:r>
           </a:p>
         </p:txBody>
@@ -3805,7 +3806,7 @@
           <a:p>
             <a:r>
               <a:rPr lang="nl-BE" dirty="0"/>
-              <a:t>A starting point</a:t>
+              <a:t>A work in progress</a:t>
             </a:r>
           </a:p>
         </p:txBody>
@@ -3990,7 +3991,7 @@
           <p:cNvPr id="2" name="Titel 1">
             <a:extLst>
               <a:ext uri="{FF2B5EF4-FFF2-40B4-BE49-F238E27FC236}">
-                <a16:creationId xmlns:a16="http://schemas.microsoft.com/office/drawing/2014/main" id="{74686A12-F4CC-9F4A-8AB5-02979E440084}"/>
+                <a16:creationId xmlns:a16="http://schemas.microsoft.com/office/drawing/2014/main" id="{EC278386-639F-2A46-B3E3-A7F402319ED3}"/>
               </a:ext>
             </a:extLst>
           </p:cNvPr>
@@ -4008,7 +4009,7 @@
           <a:p>
             <a:r>
               <a:rPr lang="nl-BE" dirty="0"/>
-              <a:t>Issues</a:t>
+              <a:t>Possibilities</a:t>
             </a:r>
           </a:p>
         </p:txBody>
@@ -4018,7 +4019,7 @@
           <p:cNvPr id="3" name="Tijdelijke aanduiding voor inhoud 2">
             <a:extLst>
               <a:ext uri="{FF2B5EF4-FFF2-40B4-BE49-F238E27FC236}">
-                <a16:creationId xmlns:a16="http://schemas.microsoft.com/office/drawing/2014/main" id="{A4DAADC3-FFBD-C542-B3B3-06B1289A1477}"/>
+                <a16:creationId xmlns:a16="http://schemas.microsoft.com/office/drawing/2014/main" id="{E9F442B3-86B4-914A-9C37-D6E3A20717F0}"/>
               </a:ext>
             </a:extLst>
           </p:cNvPr>
@@ -4031,8 +4032,19 @@
         </p:nvSpPr>
         <p:spPr/>
         <p:txBody>
-          <a:bodyPr/>
-          <a:lstStyle/>
+          <a:bodyPr>
+            <a:normAutofit/>
+          </a:bodyPr>
+          <a:lstStyle/>
+          <a:p>
+            <a:pPr marL="0" indent="0">
+              <a:buNone/>
+            </a:pPr>
+            <a:r>
+              <a:rPr lang="nl-BE" dirty="0"/>
+              <a:t>Plot per munacipility</a:t>
+            </a:r>
+          </a:p>
           <a:p>
             <a:pPr marL="0" indent="0">
               <a:buNone/>
@@ -4045,7 +4057,7 @@
             </a:pPr>
             <a:r>
               <a:rPr lang="nl-BE" dirty="0"/>
-              <a:t>Initial database</a:t>
+              <a:t>Plot per subtype</a:t>
             </a:r>
           </a:p>
           <a:p>
@@ -4060,7 +4072,7 @@
             </a:pPr>
             <a:r>
               <a:rPr lang="nl-BE" dirty="0"/>
-              <a:t>Stubbornnes (regex)</a:t>
+              <a:t>Corelations</a:t>
             </a:r>
           </a:p>
           <a:p>
@@ -4075,7 +4087,7 @@
             </a:pPr>
             <a:r>
               <a:rPr lang="nl-BE" dirty="0"/>
-              <a:t>Seaborn</a:t>
+              <a:t>…</a:t>
             </a:r>
           </a:p>
         </p:txBody>
@@ -4085,7 +4097,7 @@
           <p:cNvPr id="4" name="Tijdelijke aanduiding voor voettekst 3">
             <a:extLst>
               <a:ext uri="{FF2B5EF4-FFF2-40B4-BE49-F238E27FC236}">
-                <a16:creationId xmlns:a16="http://schemas.microsoft.com/office/drawing/2014/main" id="{FB74203C-4FEA-9840-8FB0-D130D96DA97E}"/>
+                <a16:creationId xmlns:a16="http://schemas.microsoft.com/office/drawing/2014/main" id="{7EE413F2-FFD7-5D45-9888-88C4E3E1FF64}"/>
               </a:ext>
             </a:extLst>
           </p:cNvPr>
@@ -4112,7 +4124,7 @@
     </p:spTree>
     <p:extLst>
       <p:ext uri="{BB962C8B-B14F-4D97-AF65-F5344CB8AC3E}">
-        <p14:creationId xmlns:p14="http://schemas.microsoft.com/office/powerpoint/2010/main" val="1905226580"/>
+        <p14:creationId xmlns:p14="http://schemas.microsoft.com/office/powerpoint/2010/main" val="3593337349"/>
       </p:ext>
     </p:extLst>
   </p:cSld>
@@ -4144,7 +4156,7 @@
           <p:cNvPr id="2" name="Titel 1">
             <a:extLst>
               <a:ext uri="{FF2B5EF4-FFF2-40B4-BE49-F238E27FC236}">
-                <a16:creationId xmlns:a16="http://schemas.microsoft.com/office/drawing/2014/main" id="{EC278386-639F-2A46-B3E3-A7F402319ED3}"/>
+                <a16:creationId xmlns:a16="http://schemas.microsoft.com/office/drawing/2014/main" id="{DAF0EDF6-4DDE-B14D-A651-E570B14F36B4}"/>
               </a:ext>
             </a:extLst>
           </p:cNvPr>
@@ -4162,7 +4174,7 @@
           <a:p>
             <a:r>
               <a:rPr lang="nl-BE" dirty="0"/>
-              <a:t>Next steps</a:t>
+              <a:t>Q&amp;A</a:t>
             </a:r>
           </a:p>
         </p:txBody>
@@ -4172,7 +4184,7 @@
           <p:cNvPr id="3" name="Tijdelijke aanduiding voor inhoud 2">
             <a:extLst>
               <a:ext uri="{FF2B5EF4-FFF2-40B4-BE49-F238E27FC236}">
-                <a16:creationId xmlns:a16="http://schemas.microsoft.com/office/drawing/2014/main" id="{E9F442B3-86B4-914A-9C37-D6E3A20717F0}"/>
+                <a16:creationId xmlns:a16="http://schemas.microsoft.com/office/drawing/2014/main" id="{614C3FA7-2556-F642-A9E9-0FE3D647C426}"/>
               </a:ext>
             </a:extLst>
           </p:cNvPr>
@@ -4197,10 +4209,7 @@
             <a:pPr marL="0" indent="0">
               <a:buNone/>
             </a:pPr>
-            <a:r>
-              <a:rPr lang="nl-BE" dirty="0"/>
-              <a:t>Plotting .head(10) and .tail(10)</a:t>
-            </a:r>
+            <a:endParaRPr lang="nl-BE" dirty="0"/>
           </a:p>
           <a:p>
             <a:pPr marL="0" indent="0">
@@ -4214,22 +4223,7 @@
             </a:pPr>
             <a:r>
               <a:rPr lang="nl-BE" dirty="0"/>
-              <a:t>Work on figure manipulations</a:t>
-            </a:r>
-          </a:p>
-          <a:p>
-            <a:pPr marL="0" indent="0">
-              <a:buNone/>
-            </a:pPr>
-            <a:endParaRPr lang="nl-BE" dirty="0"/>
-          </a:p>
-          <a:p>
-            <a:pPr marL="0" indent="0">
-              <a:buNone/>
-            </a:pPr>
-            <a:r>
-              <a:rPr lang="nl-BE" dirty="0"/>
-              <a:t>Work with Seaborn</a:t>
+              <a:t>Thank you for your time!</a:t>
             </a:r>
           </a:p>
         </p:txBody>
@@ -4239,7 +4233,7 @@
           <p:cNvPr id="4" name="Tijdelijke aanduiding voor voettekst 3">
             <a:extLst>
               <a:ext uri="{FF2B5EF4-FFF2-40B4-BE49-F238E27FC236}">
-                <a16:creationId xmlns:a16="http://schemas.microsoft.com/office/drawing/2014/main" id="{7EE413F2-FFD7-5D45-9888-88C4E3E1FF64}"/>
+                <a16:creationId xmlns:a16="http://schemas.microsoft.com/office/drawing/2014/main" id="{A44AC1ED-C88F-1849-ABA8-091C8762F62C}"/>
               </a:ext>
             </a:extLst>
           </p:cNvPr>
@@ -4266,7 +4260,161 @@
     </p:spTree>
     <p:extLst>
       <p:ext uri="{BB962C8B-B14F-4D97-AF65-F5344CB8AC3E}">
-        <p14:creationId xmlns:p14="http://schemas.microsoft.com/office/powerpoint/2010/main" val="3593337349"/>
+        <p14:creationId xmlns:p14="http://schemas.microsoft.com/office/powerpoint/2010/main" val="48892268"/>
+      </p:ext>
+    </p:extLst>
+  </p:cSld>
+  <p:clrMapOvr>
+    <a:masterClrMapping/>
+  </p:clrMapOvr>
+</p:sld>
+</file>
+
+<file path=ppt/slides/slide13.xml><?xml version="1.0" encoding="utf-8"?>
+<p:sld xmlns:a="http://schemas.openxmlformats.org/drawingml/2006/main" xmlns:r="http://schemas.openxmlformats.org/officeDocument/2006/relationships" xmlns:p="http://schemas.openxmlformats.org/presentationml/2006/main">
+  <p:cSld>
+    <p:spTree>
+      <p:nvGrpSpPr>
+        <p:cNvPr id="1" name=""/>
+        <p:cNvGrpSpPr/>
+        <p:nvPr/>
+      </p:nvGrpSpPr>
+      <p:grpSpPr>
+        <a:xfrm>
+          <a:off x="0" y="0"/>
+          <a:ext cx="0" cy="0"/>
+          <a:chOff x="0" y="0"/>
+          <a:chExt cx="0" cy="0"/>
+        </a:xfrm>
+      </p:grpSpPr>
+      <p:sp>
+        <p:nvSpPr>
+          <p:cNvPr id="2" name="Titel 1">
+            <a:extLst>
+              <a:ext uri="{FF2B5EF4-FFF2-40B4-BE49-F238E27FC236}">
+                <a16:creationId xmlns:a16="http://schemas.microsoft.com/office/drawing/2014/main" id="{74686A12-F4CC-9F4A-8AB5-02979E440084}"/>
+              </a:ext>
+            </a:extLst>
+          </p:cNvPr>
+          <p:cNvSpPr>
+            <a:spLocks noGrp="1"/>
+          </p:cNvSpPr>
+          <p:nvPr>
+            <p:ph type="title"/>
+          </p:nvPr>
+        </p:nvSpPr>
+        <p:spPr/>
+        <p:txBody>
+          <a:bodyPr/>
+          <a:lstStyle/>
+          <a:p>
+            <a:r>
+              <a:rPr lang="nl-BE" dirty="0"/>
+              <a:t>Issues</a:t>
+            </a:r>
+          </a:p>
+        </p:txBody>
+      </p:sp>
+      <p:sp>
+        <p:nvSpPr>
+          <p:cNvPr id="3" name="Tijdelijke aanduiding voor inhoud 2">
+            <a:extLst>
+              <a:ext uri="{FF2B5EF4-FFF2-40B4-BE49-F238E27FC236}">
+                <a16:creationId xmlns:a16="http://schemas.microsoft.com/office/drawing/2014/main" id="{A4DAADC3-FFBD-C542-B3B3-06B1289A1477}"/>
+              </a:ext>
+            </a:extLst>
+          </p:cNvPr>
+          <p:cNvSpPr>
+            <a:spLocks noGrp="1"/>
+          </p:cNvSpPr>
+          <p:nvPr>
+            <p:ph idx="1"/>
+          </p:nvPr>
+        </p:nvSpPr>
+        <p:spPr/>
+        <p:txBody>
+          <a:bodyPr/>
+          <a:lstStyle/>
+          <a:p>
+            <a:pPr marL="0" indent="0">
+              <a:buNone/>
+            </a:pPr>
+            <a:endParaRPr lang="nl-BE" dirty="0"/>
+          </a:p>
+          <a:p>
+            <a:pPr marL="0" indent="0">
+              <a:buNone/>
+            </a:pPr>
+            <a:r>
+              <a:rPr lang="nl-BE" dirty="0"/>
+              <a:t>Initial database</a:t>
+            </a:r>
+          </a:p>
+          <a:p>
+            <a:pPr marL="0" indent="0">
+              <a:buNone/>
+            </a:pPr>
+            <a:endParaRPr lang="nl-BE" dirty="0"/>
+          </a:p>
+          <a:p>
+            <a:pPr marL="0" indent="0">
+              <a:buNone/>
+            </a:pPr>
+            <a:r>
+              <a:rPr lang="nl-BE" dirty="0"/>
+              <a:t>Stubbornnes (regex)</a:t>
+            </a:r>
+          </a:p>
+          <a:p>
+            <a:pPr marL="0" indent="0">
+              <a:buNone/>
+            </a:pPr>
+            <a:endParaRPr lang="nl-BE" dirty="0"/>
+          </a:p>
+          <a:p>
+            <a:pPr marL="0" indent="0">
+              <a:buNone/>
+            </a:pPr>
+            <a:r>
+              <a:rPr lang="nl-BE" dirty="0"/>
+              <a:t>Seaborn</a:t>
+            </a:r>
+          </a:p>
+        </p:txBody>
+      </p:sp>
+      <p:sp>
+        <p:nvSpPr>
+          <p:cNvPr id="4" name="Tijdelijke aanduiding voor voettekst 3">
+            <a:extLst>
+              <a:ext uri="{FF2B5EF4-FFF2-40B4-BE49-F238E27FC236}">
+                <a16:creationId xmlns:a16="http://schemas.microsoft.com/office/drawing/2014/main" id="{FB74203C-4FEA-9840-8FB0-D130D96DA97E}"/>
+              </a:ext>
+            </a:extLst>
+          </p:cNvPr>
+          <p:cNvSpPr>
+            <a:spLocks noGrp="1"/>
+          </p:cNvSpPr>
+          <p:nvPr>
+            <p:ph type="ftr" sz="quarter" idx="11"/>
+          </p:nvPr>
+        </p:nvSpPr>
+        <p:spPr/>
+        <p:txBody>
+          <a:bodyPr/>
+          <a:lstStyle/>
+          <a:p>
+            <a:r>
+              <a:rPr lang="en-US"/>
+              <a:t>Pauwel De Wilde - Bouman 3.31</a:t>
+            </a:r>
+            <a:endParaRPr lang="en-US" dirty="0"/>
+          </a:p>
+        </p:txBody>
+      </p:sp>
+    </p:spTree>
+    <p:extLst>
+      <p:ext uri="{BB962C8B-B14F-4D97-AF65-F5344CB8AC3E}">
+        <p14:creationId xmlns:p14="http://schemas.microsoft.com/office/powerpoint/2010/main" val="1905226580"/>
       </p:ext>
     </p:extLst>
   </p:cSld>
@@ -4353,7 +4501,7 @@
             </a:pPr>
             <a:r>
               <a:rPr lang="nl-BE" dirty="0"/>
-              <a:t>Liberal use of dataframe colleagues</a:t>
+              <a:t>New available databases</a:t>
             </a:r>
           </a:p>
           <a:p>
